--- a/docs/songs/conerstone.pptx
+++ b/docs/songs/conerstone.pptx
@@ -9,7 +9,9 @@
     <p:sldId id="542" r:id="rId3"/>
     <p:sldId id="543" r:id="rId4"/>
     <p:sldId id="482" r:id="rId5"/>
-    <p:sldId id="651" r:id="rId6"/>
+    <p:sldId id="1296" r:id="rId6"/>
+    <p:sldId id="651" r:id="rId7"/>
+    <p:sldId id="1297" r:id="rId8"/>
   </p:sldIdLst>
   <p:sldSz cx="9144000" cy="6858000" type="screen4x3"/>
   <p:notesSz cx="6858000" cy="9144000"/>
@@ -309,7 +311,7 @@
             <a:fld id="{26EA1CF3-4A15-4CBF-9A5A-6A56C368BE71}" type="datetimeFigureOut">
               <a:rPr lang="en-GB" smtClean="0"/>
               <a:pPr/>
-              <a:t>03/10/2022</a:t>
+              <a:t>07/10/2024</a:t>
             </a:fld>
             <a:endParaRPr lang="en-GB"/>
           </a:p>
@@ -476,7 +478,7 @@
             <a:fld id="{26EA1CF3-4A15-4CBF-9A5A-6A56C368BE71}" type="datetimeFigureOut">
               <a:rPr lang="en-GB" smtClean="0"/>
               <a:pPr/>
-              <a:t>03/10/2022</a:t>
+              <a:t>07/10/2024</a:t>
             </a:fld>
             <a:endParaRPr lang="en-GB"/>
           </a:p>
@@ -653,7 +655,7 @@
             <a:fld id="{26EA1CF3-4A15-4CBF-9A5A-6A56C368BE71}" type="datetimeFigureOut">
               <a:rPr lang="en-GB" smtClean="0"/>
               <a:pPr/>
-              <a:t>03/10/2022</a:t>
+              <a:t>07/10/2024</a:t>
             </a:fld>
             <a:endParaRPr lang="en-GB"/>
           </a:p>
@@ -820,7 +822,7 @@
             <a:fld id="{26EA1CF3-4A15-4CBF-9A5A-6A56C368BE71}" type="datetimeFigureOut">
               <a:rPr lang="en-GB" smtClean="0"/>
               <a:pPr/>
-              <a:t>03/10/2022</a:t>
+              <a:t>07/10/2024</a:t>
             </a:fld>
             <a:endParaRPr lang="en-GB"/>
           </a:p>
@@ -1063,7 +1065,7 @@
             <a:fld id="{26EA1CF3-4A15-4CBF-9A5A-6A56C368BE71}" type="datetimeFigureOut">
               <a:rPr lang="en-GB" smtClean="0"/>
               <a:pPr/>
-              <a:t>03/10/2022</a:t>
+              <a:t>07/10/2024</a:t>
             </a:fld>
             <a:endParaRPr lang="en-GB"/>
           </a:p>
@@ -1348,7 +1350,7 @@
             <a:fld id="{26EA1CF3-4A15-4CBF-9A5A-6A56C368BE71}" type="datetimeFigureOut">
               <a:rPr lang="en-GB" smtClean="0"/>
               <a:pPr/>
-              <a:t>03/10/2022</a:t>
+              <a:t>07/10/2024</a:t>
             </a:fld>
             <a:endParaRPr lang="en-GB"/>
           </a:p>
@@ -1767,7 +1769,7 @@
             <a:fld id="{26EA1CF3-4A15-4CBF-9A5A-6A56C368BE71}" type="datetimeFigureOut">
               <a:rPr lang="en-GB" smtClean="0"/>
               <a:pPr/>
-              <a:t>03/10/2022</a:t>
+              <a:t>07/10/2024</a:t>
             </a:fld>
             <a:endParaRPr lang="en-GB"/>
           </a:p>
@@ -1882,7 +1884,7 @@
             <a:fld id="{26EA1CF3-4A15-4CBF-9A5A-6A56C368BE71}" type="datetimeFigureOut">
               <a:rPr lang="en-GB" smtClean="0"/>
               <a:pPr/>
-              <a:t>03/10/2022</a:t>
+              <a:t>07/10/2024</a:t>
             </a:fld>
             <a:endParaRPr lang="en-GB"/>
           </a:p>
@@ -1974,7 +1976,7 @@
             <a:fld id="{26EA1CF3-4A15-4CBF-9A5A-6A56C368BE71}" type="datetimeFigureOut">
               <a:rPr lang="en-GB" smtClean="0"/>
               <a:pPr/>
-              <a:t>03/10/2022</a:t>
+              <a:t>07/10/2024</a:t>
             </a:fld>
             <a:endParaRPr lang="en-GB"/>
           </a:p>
@@ -2248,7 +2250,7 @@
             <a:fld id="{26EA1CF3-4A15-4CBF-9A5A-6A56C368BE71}" type="datetimeFigureOut">
               <a:rPr lang="en-GB" smtClean="0"/>
               <a:pPr/>
-              <a:t>03/10/2022</a:t>
+              <a:t>07/10/2024</a:t>
             </a:fld>
             <a:endParaRPr lang="en-GB"/>
           </a:p>
@@ -2498,7 +2500,7 @@
             <a:fld id="{26EA1CF3-4A15-4CBF-9A5A-6A56C368BE71}" type="datetimeFigureOut">
               <a:rPr lang="en-GB" smtClean="0"/>
               <a:pPr/>
-              <a:t>03/10/2022</a:t>
+              <a:t>07/10/2024</a:t>
             </a:fld>
             <a:endParaRPr lang="en-GB"/>
           </a:p>
@@ -2711,7 +2713,7 @@
             <a:fld id="{26EA1CF3-4A15-4CBF-9A5A-6A56C368BE71}" type="datetimeFigureOut">
               <a:rPr lang="en-GB" smtClean="0"/>
               <a:pPr/>
-              <a:t>03/10/2022</a:t>
+              <a:t>07/10/2024</a:t>
             </a:fld>
             <a:endParaRPr lang="en-GB"/>
           </a:p>
@@ -3315,7 +3317,7 @@
         </p:nvSpPr>
         <p:spPr>
           <a:xfrm>
-            <a:off x="323528" y="188640"/>
+            <a:off x="395536" y="764704"/>
             <a:ext cx="8640960" cy="6480720"/>
           </a:xfrm>
         </p:spPr>
@@ -3326,7 +3328,7 @@
           <a:lstStyle/>
           <a:p>
             <a:r>
-              <a:rPr lang="en-GB" sz="5000" dirty="0">
+              <a:rPr lang="en-GB" sz="3600" dirty="0">
                 <a:solidFill>
                   <a:schemeClr val="bg1"/>
                 </a:solidFill>
@@ -3336,7 +3338,7 @@
           </a:p>
           <a:p>
             <a:r>
-              <a:rPr lang="en-GB" sz="5000" dirty="0">
+              <a:rPr lang="en-GB" sz="3600" dirty="0">
                 <a:solidFill>
                   <a:schemeClr val="bg1"/>
                 </a:solidFill>
@@ -3346,7 +3348,7 @@
           </a:p>
           <a:p>
             <a:r>
-              <a:rPr lang="en-GB" sz="5000" dirty="0">
+              <a:rPr lang="en-GB" sz="3600" dirty="0">
                 <a:solidFill>
                   <a:schemeClr val="bg1"/>
                 </a:solidFill>
@@ -3356,7 +3358,7 @@
           </a:p>
           <a:p>
             <a:r>
-              <a:rPr lang="en-GB" sz="5000" dirty="0">
+              <a:rPr lang="en-GB" sz="3600" dirty="0">
                 <a:solidFill>
                   <a:schemeClr val="bg1"/>
                 </a:solidFill>
@@ -3394,7 +3396,7 @@
                   <a:schemeClr val="bg1"/>
                 </a:solidFill>
               </a:rPr>
-              <a:t>1/4</a:t>
+              <a:t>1/6</a:t>
             </a:r>
           </a:p>
         </p:txBody>
@@ -3441,7 +3443,7 @@
         </p:nvSpPr>
         <p:spPr>
           <a:xfrm>
-            <a:off x="323528" y="188640"/>
+            <a:off x="181414" y="764704"/>
             <a:ext cx="8640960" cy="6480720"/>
           </a:xfrm>
         </p:spPr>
@@ -3452,7 +3454,7 @@
           <a:lstStyle/>
           <a:p>
             <a:r>
-              <a:rPr lang="en-GB" sz="6000" dirty="0">
+              <a:rPr lang="en-GB" sz="3600" dirty="0">
                 <a:solidFill>
                   <a:schemeClr val="bg1"/>
                 </a:solidFill>
@@ -3462,7 +3464,7 @@
           </a:p>
           <a:p>
             <a:r>
-              <a:rPr lang="en-GB" sz="6000" dirty="0">
+              <a:rPr lang="en-GB" sz="3600" dirty="0">
                 <a:solidFill>
                   <a:schemeClr val="bg1"/>
                 </a:solidFill>
@@ -3472,7 +3474,7 @@
           </a:p>
           <a:p>
             <a:r>
-              <a:rPr lang="en-GB" sz="6000" dirty="0">
+              <a:rPr lang="en-GB" sz="3600" dirty="0">
                 <a:solidFill>
                   <a:schemeClr val="bg1"/>
                 </a:solidFill>
@@ -3482,7 +3484,7 @@
           </a:p>
           <a:p>
             <a:r>
-              <a:rPr lang="en-GB" sz="6000" dirty="0">
+              <a:rPr lang="en-GB" sz="3600" dirty="0">
                 <a:solidFill>
                   <a:schemeClr val="bg1"/>
                 </a:solidFill>
@@ -3520,7 +3522,7 @@
                   <a:schemeClr val="bg1"/>
                 </a:solidFill>
               </a:rPr>
-              <a:t>2/4</a:t>
+              <a:t>2/6</a:t>
             </a:r>
           </a:p>
         </p:txBody>
@@ -3567,7 +3569,7 @@
         </p:nvSpPr>
         <p:spPr>
           <a:xfrm>
-            <a:off x="323528" y="188640"/>
+            <a:off x="251520" y="692696"/>
             <a:ext cx="8640960" cy="6480720"/>
           </a:xfrm>
         </p:spPr>
@@ -3578,7 +3580,7 @@
           <a:lstStyle/>
           <a:p>
             <a:r>
-              <a:rPr lang="en-GB" sz="5000" dirty="0">
+              <a:rPr lang="en-GB" sz="3600" dirty="0">
                 <a:solidFill>
                   <a:schemeClr val="bg1"/>
                 </a:solidFill>
@@ -3588,7 +3590,7 @@
           </a:p>
           <a:p>
             <a:r>
-              <a:rPr lang="en-GB" sz="5000" dirty="0">
+              <a:rPr lang="en-GB" sz="3600" dirty="0">
                 <a:solidFill>
                   <a:schemeClr val="bg1"/>
                 </a:solidFill>
@@ -3598,7 +3600,7 @@
           </a:p>
           <a:p>
             <a:r>
-              <a:rPr lang="en-GB" sz="5000" dirty="0">
+              <a:rPr lang="en-GB" sz="3600" dirty="0">
                 <a:solidFill>
                   <a:schemeClr val="bg1"/>
                 </a:solidFill>
@@ -3608,7 +3610,7 @@
           </a:p>
           <a:p>
             <a:r>
-              <a:rPr lang="en-GB" sz="5000" dirty="0">
+              <a:rPr lang="en-GB" sz="3600" dirty="0">
                 <a:solidFill>
                   <a:schemeClr val="bg1"/>
                 </a:solidFill>
@@ -3618,7 +3620,7 @@
           </a:p>
           <a:p>
             <a:r>
-              <a:rPr lang="en-GB" sz="5000" dirty="0">
+              <a:rPr lang="en-GB" sz="3600" dirty="0">
                 <a:solidFill>
                   <a:schemeClr val="bg1"/>
                 </a:solidFill>
@@ -3656,7 +3658,7 @@
                   <a:schemeClr val="bg1"/>
                 </a:solidFill>
               </a:rPr>
-              <a:t>3/4</a:t>
+              <a:t>3/6</a:t>
             </a:r>
           </a:p>
         </p:txBody>
@@ -3703,7 +3705,7 @@
         </p:nvSpPr>
         <p:spPr>
           <a:xfrm>
-            <a:off x="323528" y="188640"/>
+            <a:off x="181414" y="764704"/>
             <a:ext cx="8640960" cy="6480720"/>
           </a:xfrm>
         </p:spPr>
@@ -3714,42 +3716,42 @@
           <a:lstStyle/>
           <a:p>
             <a:r>
-              <a:rPr lang="en-GB" sz="5000" dirty="0">
-                <a:solidFill>
-                  <a:schemeClr val="bg1"/>
-                </a:solidFill>
-              </a:rPr>
-              <a:t>When He shall come with trumpet sound</a:t>
-            </a:r>
-          </a:p>
-          <a:p>
-            <a:r>
-              <a:rPr lang="en-GB" sz="5000" dirty="0">
-                <a:solidFill>
-                  <a:schemeClr val="bg1"/>
-                </a:solidFill>
-              </a:rPr>
-              <a:t>Oh may I then in Him be found</a:t>
-            </a:r>
-          </a:p>
-          <a:p>
-            <a:r>
-              <a:rPr lang="en-GB" sz="5000" dirty="0">
-                <a:solidFill>
-                  <a:schemeClr val="bg1"/>
-                </a:solidFill>
-              </a:rPr>
-              <a:t>Dressed in His righteousness alone</a:t>
-            </a:r>
-          </a:p>
-          <a:p>
-            <a:r>
-              <a:rPr lang="en-GB" sz="5000" dirty="0">
-                <a:solidFill>
-                  <a:schemeClr val="bg1"/>
-                </a:solidFill>
-              </a:rPr>
-              <a:t>Faultless stand before the throne</a:t>
+              <a:rPr lang="en-GB" sz="3600" dirty="0">
+                <a:solidFill>
+                  <a:schemeClr val="bg1"/>
+                </a:solidFill>
+              </a:rPr>
+              <a:t>Christ alone cornerstone</a:t>
+            </a:r>
+          </a:p>
+          <a:p>
+            <a:r>
+              <a:rPr lang="en-GB" sz="3600" dirty="0">
+                <a:solidFill>
+                  <a:schemeClr val="bg1"/>
+                </a:solidFill>
+              </a:rPr>
+              <a:t>Weak made strong in the Saviour's love</a:t>
+            </a:r>
+          </a:p>
+          <a:p>
+            <a:r>
+              <a:rPr lang="en-GB" sz="3600" dirty="0">
+                <a:solidFill>
+                  <a:schemeClr val="bg1"/>
+                </a:solidFill>
+              </a:rPr>
+              <a:t>Through the storm He is Lord</a:t>
+            </a:r>
+          </a:p>
+          <a:p>
+            <a:r>
+              <a:rPr lang="en-GB" sz="3600" dirty="0">
+                <a:solidFill>
+                  <a:schemeClr val="bg1"/>
+                </a:solidFill>
+              </a:rPr>
+              <a:t>Lord of all</a:t>
             </a:r>
           </a:p>
         </p:txBody>
@@ -3782,7 +3784,133 @@
                   <a:schemeClr val="bg1"/>
                 </a:solidFill>
               </a:rPr>
-              <a:t>4/4</a:t>
+              <a:t>4/6</a:t>
+            </a:r>
+          </a:p>
+        </p:txBody>
+      </p:sp>
+    </p:spTree>
+    <p:extLst>
+      <p:ext uri="{BB962C8B-B14F-4D97-AF65-F5344CB8AC3E}">
+        <p14:creationId xmlns:p14="http://schemas.microsoft.com/office/powerpoint/2010/main" val="468285749"/>
+      </p:ext>
+    </p:extLst>
+  </p:cSld>
+  <p:clrMapOvr>
+    <a:masterClrMapping/>
+  </p:clrMapOvr>
+</p:sld>
+</file>
+
+<file path=ppt/slides/slide6.xml><?xml version="1.0" encoding="utf-8"?>
+<p:sld xmlns:a="http://schemas.openxmlformats.org/drawingml/2006/main" xmlns:r="http://schemas.openxmlformats.org/officeDocument/2006/relationships" xmlns:p="http://schemas.openxmlformats.org/presentationml/2006/main">
+  <p:cSld>
+    <p:spTree>
+      <p:nvGrpSpPr>
+        <p:cNvPr id="1" name=""/>
+        <p:cNvGrpSpPr/>
+        <p:nvPr/>
+      </p:nvGrpSpPr>
+      <p:grpSpPr>
+        <a:xfrm>
+          <a:off x="0" y="0"/>
+          <a:ext cx="0" cy="0"/>
+          <a:chOff x="0" y="0"/>
+          <a:chExt cx="0" cy="0"/>
+        </a:xfrm>
+      </p:grpSpPr>
+      <p:sp>
+        <p:nvSpPr>
+          <p:cNvPr id="3" name="Subtitle 2"/>
+          <p:cNvSpPr>
+            <a:spLocks noGrp="1"/>
+          </p:cNvSpPr>
+          <p:nvPr>
+            <p:ph type="subTitle" idx="1"/>
+          </p:nvPr>
+        </p:nvSpPr>
+        <p:spPr>
+          <a:xfrm>
+            <a:off x="323528" y="764704"/>
+            <a:ext cx="8640960" cy="6480720"/>
+          </a:xfrm>
+        </p:spPr>
+        <p:txBody>
+          <a:bodyPr>
+            <a:noAutofit/>
+          </a:bodyPr>
+          <a:lstStyle/>
+          <a:p>
+            <a:r>
+              <a:rPr lang="en-GB" sz="3600" dirty="0">
+                <a:solidFill>
+                  <a:schemeClr val="bg1"/>
+                </a:solidFill>
+              </a:rPr>
+              <a:t>When He shall come with trumpet sound</a:t>
+            </a:r>
+          </a:p>
+          <a:p>
+            <a:r>
+              <a:rPr lang="en-GB" sz="3600" dirty="0">
+                <a:solidFill>
+                  <a:schemeClr val="bg1"/>
+                </a:solidFill>
+              </a:rPr>
+              <a:t>Oh may I then in Him be found</a:t>
+            </a:r>
+          </a:p>
+          <a:p>
+            <a:r>
+              <a:rPr lang="en-GB" sz="3600" dirty="0">
+                <a:solidFill>
+                  <a:schemeClr val="bg1"/>
+                </a:solidFill>
+              </a:rPr>
+              <a:t>Dressed in His righteousness alone</a:t>
+            </a:r>
+          </a:p>
+          <a:p>
+            <a:r>
+              <a:rPr lang="en-GB" sz="3600" dirty="0">
+                <a:solidFill>
+                  <a:schemeClr val="bg1"/>
+                </a:solidFill>
+              </a:rPr>
+              <a:t>Faultless stand before the throne</a:t>
+            </a:r>
+          </a:p>
+        </p:txBody>
+      </p:sp>
+      <p:sp>
+        <p:nvSpPr>
+          <p:cNvPr id="4" name="TextBox 3"/>
+          <p:cNvSpPr txBox="1"/>
+          <p:nvPr/>
+        </p:nvSpPr>
+        <p:spPr>
+          <a:xfrm>
+            <a:off x="8529729" y="0"/>
+            <a:ext cx="628698" cy="461665"/>
+          </a:xfrm>
+          <a:prstGeom prst="rect">
+            <a:avLst/>
+          </a:prstGeom>
+          <a:noFill/>
+        </p:spPr>
+        <p:txBody>
+          <a:bodyPr wrap="none" rtlCol="0">
+            <a:spAutoFit/>
+          </a:bodyPr>
+          <a:lstStyle/>
+          <a:p>
+            <a:r>
+              <a:rPr lang="en-GB" sz="2400" b="1" dirty="0">
+                <a:solidFill>
+                  <a:schemeClr val="bg1"/>
+                </a:solidFill>
+              </a:rPr>
+              <a:t>5/6</a:t>
             </a:r>
           </a:p>
         </p:txBody>
@@ -3791,6 +3919,132 @@
     <p:extLst>
       <p:ext uri="{BB962C8B-B14F-4D97-AF65-F5344CB8AC3E}">
         <p14:creationId xmlns:p14="http://schemas.microsoft.com/office/powerpoint/2010/main" val="3450336528"/>
+      </p:ext>
+    </p:extLst>
+  </p:cSld>
+  <p:clrMapOvr>
+    <a:masterClrMapping/>
+  </p:clrMapOvr>
+</p:sld>
+</file>
+
+<file path=ppt/slides/slide7.xml><?xml version="1.0" encoding="utf-8"?>
+<p:sld xmlns:a="http://schemas.openxmlformats.org/drawingml/2006/main" xmlns:r="http://schemas.openxmlformats.org/officeDocument/2006/relationships" xmlns:p="http://schemas.openxmlformats.org/presentationml/2006/main">
+  <p:cSld>
+    <p:spTree>
+      <p:nvGrpSpPr>
+        <p:cNvPr id="1" name=""/>
+        <p:cNvGrpSpPr/>
+        <p:nvPr/>
+      </p:nvGrpSpPr>
+      <p:grpSpPr>
+        <a:xfrm>
+          <a:off x="0" y="0"/>
+          <a:ext cx="0" cy="0"/>
+          <a:chOff x="0" y="0"/>
+          <a:chExt cx="0" cy="0"/>
+        </a:xfrm>
+      </p:grpSpPr>
+      <p:sp>
+        <p:nvSpPr>
+          <p:cNvPr id="3" name="Subtitle 2"/>
+          <p:cNvSpPr>
+            <a:spLocks noGrp="1"/>
+          </p:cNvSpPr>
+          <p:nvPr>
+            <p:ph type="subTitle" idx="1"/>
+          </p:nvPr>
+        </p:nvSpPr>
+        <p:spPr>
+          <a:xfrm>
+            <a:off x="181414" y="764704"/>
+            <a:ext cx="8640960" cy="6480720"/>
+          </a:xfrm>
+        </p:spPr>
+        <p:txBody>
+          <a:bodyPr>
+            <a:noAutofit/>
+          </a:bodyPr>
+          <a:lstStyle/>
+          <a:p>
+            <a:r>
+              <a:rPr lang="en-GB" sz="3600" dirty="0">
+                <a:solidFill>
+                  <a:schemeClr val="bg1"/>
+                </a:solidFill>
+              </a:rPr>
+              <a:t>Christ alone cornerstone</a:t>
+            </a:r>
+          </a:p>
+          <a:p>
+            <a:r>
+              <a:rPr lang="en-GB" sz="3600" dirty="0">
+                <a:solidFill>
+                  <a:schemeClr val="bg1"/>
+                </a:solidFill>
+              </a:rPr>
+              <a:t>Weak made strong in the Saviour's love</a:t>
+            </a:r>
+          </a:p>
+          <a:p>
+            <a:r>
+              <a:rPr lang="en-GB" sz="3600" dirty="0">
+                <a:solidFill>
+                  <a:schemeClr val="bg1"/>
+                </a:solidFill>
+              </a:rPr>
+              <a:t>Through the storm He is Lord</a:t>
+            </a:r>
+          </a:p>
+          <a:p>
+            <a:r>
+              <a:rPr lang="en-GB" sz="3600" dirty="0">
+                <a:solidFill>
+                  <a:schemeClr val="bg1"/>
+                </a:solidFill>
+              </a:rPr>
+              <a:t>Lord of all</a:t>
+            </a:r>
+          </a:p>
+        </p:txBody>
+      </p:sp>
+      <p:sp>
+        <p:nvSpPr>
+          <p:cNvPr id="4" name="TextBox 3"/>
+          <p:cNvSpPr txBox="1"/>
+          <p:nvPr/>
+        </p:nvSpPr>
+        <p:spPr>
+          <a:xfrm>
+            <a:off x="8529729" y="0"/>
+            <a:ext cx="628698" cy="461665"/>
+          </a:xfrm>
+          <a:prstGeom prst="rect">
+            <a:avLst/>
+          </a:prstGeom>
+          <a:noFill/>
+        </p:spPr>
+        <p:txBody>
+          <a:bodyPr wrap="none" rtlCol="0">
+            <a:spAutoFit/>
+          </a:bodyPr>
+          <a:lstStyle/>
+          <a:p>
+            <a:r>
+              <a:rPr lang="en-GB" sz="2400" b="1" dirty="0">
+                <a:solidFill>
+                  <a:schemeClr val="bg1"/>
+                </a:solidFill>
+              </a:rPr>
+              <a:t>6/6</a:t>
+            </a:r>
+          </a:p>
+        </p:txBody>
+      </p:sp>
+    </p:spTree>
+    <p:extLst>
+      <p:ext uri="{BB962C8B-B14F-4D97-AF65-F5344CB8AC3E}">
+        <p14:creationId xmlns:p14="http://schemas.microsoft.com/office/powerpoint/2010/main" val="341848993"/>
       </p:ext>
     </p:extLst>
   </p:cSld>
